--- a/ppt/PythonMath07-NumpyMatrix.pptx
+++ b/ppt/PythonMath07-NumpyMatrix.pptx
@@ -622,35 +622,35 @@
           <a:p>
             <a:pPr lvl="0"/>
             <a:r>
-              <a:rPr lang="fr-FR" noProof="0" smtClean="0"/>
+              <a:rPr lang="fr-FR" noProof="0"/>
               <a:t>Cliquez pour modifier les styles du texte du masque</a:t>
             </a:r>
           </a:p>
           <a:p>
             <a:pPr lvl="1"/>
             <a:r>
-              <a:rPr lang="fr-FR" noProof="0" smtClean="0"/>
+              <a:rPr lang="fr-FR" noProof="0"/>
               <a:t>Deuxième niveau</a:t>
             </a:r>
           </a:p>
           <a:p>
             <a:pPr lvl="2"/>
             <a:r>
-              <a:rPr lang="fr-FR" noProof="0" smtClean="0"/>
+              <a:rPr lang="fr-FR" noProof="0"/>
               <a:t>Troisième niveau</a:t>
             </a:r>
           </a:p>
           <a:p>
             <a:pPr lvl="3"/>
             <a:r>
-              <a:rPr lang="fr-FR" noProof="0" smtClean="0"/>
+              <a:rPr lang="fr-FR" noProof="0"/>
               <a:t>Quatrième niveau</a:t>
             </a:r>
           </a:p>
           <a:p>
             <a:pPr lvl="4"/>
             <a:r>
-              <a:rPr lang="fr-FR" noProof="0" smtClean="0"/>
+              <a:rPr lang="fr-FR" noProof="0"/>
               <a:t>Cinquième niveau</a:t>
             </a:r>
           </a:p>
@@ -938,10 +938,9 @@
           <a:lstStyle/>
           <a:p>
             <a:r>
-              <a:rPr lang="fr-FR" smtClean="0"/>
+              <a:rPr lang="fr-FR"/>
               <a:t>Cliquez pour modifier le style du titre</a:t>
             </a:r>
-            <a:endParaRPr lang="fr-FR"/>
           </a:p>
         </p:txBody>
       </p:sp>
@@ -1003,10 +1002,9 @@
           </a:lstStyle>
           <a:p>
             <a:r>
-              <a:rPr lang="fr-FR" smtClean="0"/>
+              <a:rPr lang="fr-FR"/>
               <a:t>Cliquez pour modifier le style des sous-titres du masque</a:t>
             </a:r>
-            <a:endParaRPr lang="fr-FR"/>
           </a:p>
         </p:txBody>
       </p:sp>
@@ -1061,10 +1059,9 @@
           <a:lstStyle/>
           <a:p>
             <a:r>
-              <a:rPr lang="fr-FR" smtClean="0"/>
+              <a:rPr lang="fr-FR"/>
               <a:t>Cliquez pour modifier le style du titre</a:t>
             </a:r>
-            <a:endParaRPr lang="fr-FR"/>
           </a:p>
         </p:txBody>
       </p:sp>
@@ -1090,38 +1087,37 @@
           <a:p>
             <a:pPr lvl="0"/>
             <a:r>
-              <a:rPr lang="fr-FR" smtClean="0"/>
+              <a:rPr lang="fr-FR"/>
               <a:t>Cliquez pour modifier les styles du texte du masque</a:t>
             </a:r>
           </a:p>
           <a:p>
             <a:pPr lvl="1"/>
             <a:r>
-              <a:rPr lang="fr-FR" smtClean="0"/>
+              <a:rPr lang="fr-FR"/>
               <a:t>Deuxième niveau</a:t>
             </a:r>
           </a:p>
           <a:p>
             <a:pPr lvl="2"/>
             <a:r>
-              <a:rPr lang="fr-FR" smtClean="0"/>
+              <a:rPr lang="fr-FR"/>
               <a:t>Troisième niveau</a:t>
             </a:r>
           </a:p>
           <a:p>
             <a:pPr lvl="3"/>
             <a:r>
-              <a:rPr lang="fr-FR" smtClean="0"/>
+              <a:rPr lang="fr-FR"/>
               <a:t>Quatrième niveau</a:t>
             </a:r>
           </a:p>
           <a:p>
             <a:pPr lvl="4"/>
             <a:r>
-              <a:rPr lang="fr-FR" smtClean="0"/>
+              <a:rPr lang="fr-FR"/>
               <a:t>Cinquième niveau</a:t>
             </a:r>
-            <a:endParaRPr lang="fr-FR"/>
           </a:p>
         </p:txBody>
       </p:sp>
@@ -1180,10 +1176,9 @@
           </a:lstStyle>
           <a:p>
             <a:r>
-              <a:rPr lang="fr-FR" dirty="0" smtClean="0"/>
+              <a:rPr lang="fr-FR" dirty="0"/>
               <a:t>Cliquez pour modifier le style du titre</a:t>
             </a:r>
-            <a:endParaRPr lang="fr-FR" dirty="0"/>
           </a:p>
         </p:txBody>
       </p:sp>
@@ -1209,38 +1204,37 @@
           <a:p>
             <a:pPr lvl="0"/>
             <a:r>
-              <a:rPr lang="fr-FR" dirty="0" smtClean="0"/>
+              <a:rPr lang="fr-FR" dirty="0"/>
               <a:t>Cliquez pour modifier les styles du texte du masque</a:t>
             </a:r>
           </a:p>
           <a:p>
             <a:pPr lvl="1"/>
             <a:r>
-              <a:rPr lang="fr-FR" dirty="0" smtClean="0"/>
+              <a:rPr lang="fr-FR" dirty="0"/>
               <a:t>Deuxième niveau</a:t>
             </a:r>
           </a:p>
           <a:p>
             <a:pPr lvl="2"/>
             <a:r>
-              <a:rPr lang="fr-FR" dirty="0" smtClean="0"/>
+              <a:rPr lang="fr-FR" dirty="0"/>
               <a:t>Troisième niveau</a:t>
             </a:r>
           </a:p>
           <a:p>
             <a:pPr lvl="3"/>
             <a:r>
-              <a:rPr lang="fr-FR" dirty="0" smtClean="0"/>
+              <a:rPr lang="fr-FR" dirty="0"/>
               <a:t>Quatrième niveau</a:t>
             </a:r>
           </a:p>
           <a:p>
             <a:pPr lvl="4"/>
             <a:r>
-              <a:rPr lang="fr-FR" dirty="0" smtClean="0"/>
+              <a:rPr lang="fr-FR" dirty="0"/>
               <a:t>Cinquième niveau</a:t>
             </a:r>
-            <a:endParaRPr lang="fr-FR" dirty="0"/>
           </a:p>
         </p:txBody>
       </p:sp>
@@ -1290,10 +1284,9 @@
           <a:lstStyle/>
           <a:p>
             <a:r>
-              <a:rPr lang="fr-FR" smtClean="0"/>
+              <a:rPr lang="fr-FR"/>
               <a:t>Cliquez pour modifier le style du titre</a:t>
             </a:r>
-            <a:endParaRPr lang="fr-FR"/>
           </a:p>
         </p:txBody>
       </p:sp>
@@ -1347,38 +1340,37 @@
           <a:p>
             <a:pPr lvl="0"/>
             <a:r>
-              <a:rPr lang="fr-FR" smtClean="0"/>
+              <a:rPr lang="fr-FR"/>
               <a:t>Cliquez pour modifier les styles du texte du masque</a:t>
             </a:r>
           </a:p>
           <a:p>
             <a:pPr lvl="1"/>
             <a:r>
-              <a:rPr lang="fr-FR" smtClean="0"/>
+              <a:rPr lang="fr-FR"/>
               <a:t>Deuxième niveau</a:t>
             </a:r>
           </a:p>
           <a:p>
             <a:pPr lvl="2"/>
             <a:r>
-              <a:rPr lang="fr-FR" smtClean="0"/>
+              <a:rPr lang="fr-FR"/>
               <a:t>Troisième niveau</a:t>
             </a:r>
           </a:p>
           <a:p>
             <a:pPr lvl="3"/>
             <a:r>
-              <a:rPr lang="fr-FR" smtClean="0"/>
+              <a:rPr lang="fr-FR"/>
               <a:t>Quatrième niveau</a:t>
             </a:r>
           </a:p>
           <a:p>
             <a:pPr lvl="4"/>
             <a:r>
-              <a:rPr lang="fr-FR" smtClean="0"/>
+              <a:rPr lang="fr-FR"/>
               <a:t>Cinquième niveau</a:t>
             </a:r>
-            <a:endParaRPr lang="fr-FR"/>
           </a:p>
         </p:txBody>
       </p:sp>
@@ -1432,38 +1424,37 @@
           <a:p>
             <a:pPr lvl="0"/>
             <a:r>
-              <a:rPr lang="fr-FR" smtClean="0"/>
+              <a:rPr lang="fr-FR"/>
               <a:t>Cliquez pour modifier les styles du texte du masque</a:t>
             </a:r>
           </a:p>
           <a:p>
             <a:pPr lvl="1"/>
             <a:r>
-              <a:rPr lang="fr-FR" smtClean="0"/>
+              <a:rPr lang="fr-FR"/>
               <a:t>Deuxième niveau</a:t>
             </a:r>
           </a:p>
           <a:p>
             <a:pPr lvl="2"/>
             <a:r>
-              <a:rPr lang="fr-FR" smtClean="0"/>
+              <a:rPr lang="fr-FR"/>
               <a:t>Troisième niveau</a:t>
             </a:r>
           </a:p>
           <a:p>
             <a:pPr lvl="3"/>
             <a:r>
-              <a:rPr lang="fr-FR" smtClean="0"/>
+              <a:rPr lang="fr-FR"/>
               <a:t>Quatrième niveau</a:t>
             </a:r>
           </a:p>
           <a:p>
             <a:pPr lvl="4"/>
             <a:r>
-              <a:rPr lang="fr-FR" smtClean="0"/>
+              <a:rPr lang="fr-FR"/>
               <a:t>Cinquième niveau</a:t>
             </a:r>
-            <a:endParaRPr lang="fr-FR"/>
           </a:p>
         </p:txBody>
       </p:sp>
@@ -1522,10 +1513,9 @@
           </a:lstStyle>
           <a:p>
             <a:r>
-              <a:rPr lang="fr-FR" smtClean="0"/>
+              <a:rPr lang="fr-FR"/>
               <a:t>Cliquez pour modifier le style du titre</a:t>
             </a:r>
-            <a:endParaRPr lang="fr-FR"/>
           </a:p>
         </p:txBody>
       </p:sp>
@@ -1588,7 +1578,7 @@
           <a:p>
             <a:pPr lvl="0"/>
             <a:r>
-              <a:rPr lang="fr-FR" smtClean="0"/>
+              <a:rPr lang="fr-FR"/>
               <a:t>Cliquez pour modifier les styles du texte du masque</a:t>
             </a:r>
           </a:p>
@@ -1644,38 +1634,37 @@
           <a:p>
             <a:pPr lvl="0"/>
             <a:r>
-              <a:rPr lang="fr-FR" smtClean="0"/>
+              <a:rPr lang="fr-FR"/>
               <a:t>Cliquez pour modifier les styles du texte du masque</a:t>
             </a:r>
           </a:p>
           <a:p>
             <a:pPr lvl="1"/>
             <a:r>
-              <a:rPr lang="fr-FR" smtClean="0"/>
+              <a:rPr lang="fr-FR"/>
               <a:t>Deuxième niveau</a:t>
             </a:r>
           </a:p>
           <a:p>
             <a:pPr lvl="2"/>
             <a:r>
-              <a:rPr lang="fr-FR" smtClean="0"/>
+              <a:rPr lang="fr-FR"/>
               <a:t>Troisième niveau</a:t>
             </a:r>
           </a:p>
           <a:p>
             <a:pPr lvl="3"/>
             <a:r>
-              <a:rPr lang="fr-FR" smtClean="0"/>
+              <a:rPr lang="fr-FR"/>
               <a:t>Quatrième niveau</a:t>
             </a:r>
           </a:p>
           <a:p>
             <a:pPr lvl="4"/>
             <a:r>
-              <a:rPr lang="fr-FR" smtClean="0"/>
+              <a:rPr lang="fr-FR"/>
               <a:t>Cinquième niveau</a:t>
             </a:r>
-            <a:endParaRPr lang="fr-FR"/>
           </a:p>
         </p:txBody>
       </p:sp>
@@ -1738,7 +1727,7 @@
           <a:p>
             <a:pPr lvl="0"/>
             <a:r>
-              <a:rPr lang="fr-FR" smtClean="0"/>
+              <a:rPr lang="fr-FR"/>
               <a:t>Cliquez pour modifier les styles du texte du masque</a:t>
             </a:r>
           </a:p>
@@ -1794,38 +1783,37 @@
           <a:p>
             <a:pPr lvl="0"/>
             <a:r>
-              <a:rPr lang="fr-FR" smtClean="0"/>
+              <a:rPr lang="fr-FR"/>
               <a:t>Cliquez pour modifier les styles du texte du masque</a:t>
             </a:r>
           </a:p>
           <a:p>
             <a:pPr lvl="1"/>
             <a:r>
-              <a:rPr lang="fr-FR" smtClean="0"/>
+              <a:rPr lang="fr-FR"/>
               <a:t>Deuxième niveau</a:t>
             </a:r>
           </a:p>
           <a:p>
             <a:pPr lvl="2"/>
             <a:r>
-              <a:rPr lang="fr-FR" smtClean="0"/>
+              <a:rPr lang="fr-FR"/>
               <a:t>Troisième niveau</a:t>
             </a:r>
           </a:p>
           <a:p>
             <a:pPr lvl="3"/>
             <a:r>
-              <a:rPr lang="fr-FR" smtClean="0"/>
+              <a:rPr lang="fr-FR"/>
               <a:t>Quatrième niveau</a:t>
             </a:r>
           </a:p>
           <a:p>
             <a:pPr lvl="4"/>
             <a:r>
-              <a:rPr lang="fr-FR" smtClean="0"/>
+              <a:rPr lang="fr-FR"/>
               <a:t>Cinquième niveau</a:t>
             </a:r>
-            <a:endParaRPr lang="fr-FR"/>
           </a:p>
         </p:txBody>
       </p:sp>
@@ -1875,10 +1863,9 @@
           <a:lstStyle/>
           <a:p>
             <a:r>
-              <a:rPr lang="fr-FR" smtClean="0"/>
+              <a:rPr lang="fr-FR"/>
               <a:t>Cliquez pour modifier le style du titre</a:t>
             </a:r>
-            <a:endParaRPr lang="fr-FR"/>
           </a:p>
         </p:txBody>
       </p:sp>
@@ -1967,10 +1954,9 @@
           </a:lstStyle>
           <a:p>
             <a:r>
-              <a:rPr lang="fr-FR" smtClean="0"/>
+              <a:rPr lang="fr-FR"/>
               <a:t>Cliquez pour modifier le style du titre</a:t>
             </a:r>
-            <a:endParaRPr lang="fr-FR"/>
           </a:p>
         </p:txBody>
       </p:sp>
@@ -2024,38 +2010,37 @@
           <a:p>
             <a:pPr lvl="0"/>
             <a:r>
-              <a:rPr lang="fr-FR" smtClean="0"/>
+              <a:rPr lang="fr-FR"/>
               <a:t>Cliquez pour modifier les styles du texte du masque</a:t>
             </a:r>
           </a:p>
           <a:p>
             <a:pPr lvl="1"/>
             <a:r>
-              <a:rPr lang="fr-FR" smtClean="0"/>
+              <a:rPr lang="fr-FR"/>
               <a:t>Deuxième niveau</a:t>
             </a:r>
           </a:p>
           <a:p>
             <a:pPr lvl="2"/>
             <a:r>
-              <a:rPr lang="fr-FR" smtClean="0"/>
+              <a:rPr lang="fr-FR"/>
               <a:t>Troisième niveau</a:t>
             </a:r>
           </a:p>
           <a:p>
             <a:pPr lvl="3"/>
             <a:r>
-              <a:rPr lang="fr-FR" smtClean="0"/>
+              <a:rPr lang="fr-FR"/>
               <a:t>Quatrième niveau</a:t>
             </a:r>
           </a:p>
           <a:p>
             <a:pPr lvl="4"/>
             <a:r>
-              <a:rPr lang="fr-FR" smtClean="0"/>
+              <a:rPr lang="fr-FR"/>
               <a:t>Cinquième niveau</a:t>
             </a:r>
-            <a:endParaRPr lang="fr-FR"/>
           </a:p>
         </p:txBody>
       </p:sp>
@@ -2118,7 +2103,7 @@
           <a:p>
             <a:pPr lvl="0"/>
             <a:r>
-              <a:rPr lang="fr-FR" smtClean="0"/>
+              <a:rPr lang="fr-FR"/>
               <a:t>Cliquez pour modifier les styles du texte du masque</a:t>
             </a:r>
           </a:p>
@@ -2179,10 +2164,9 @@
           </a:lstStyle>
           <a:p>
             <a:r>
-              <a:rPr lang="fr-FR" smtClean="0"/>
+              <a:rPr lang="fr-FR"/>
               <a:t>Cliquez pour modifier le style du titre</a:t>
             </a:r>
-            <a:endParaRPr lang="fr-FR"/>
           </a:p>
         </p:txBody>
       </p:sp>
@@ -2244,7 +2228,7 @@
           </a:lstStyle>
           <a:p>
             <a:pPr lvl="0"/>
-            <a:endParaRPr lang="fr-FR" noProof="0" smtClean="0"/>
+            <a:endParaRPr lang="fr-FR" noProof="0"/>
           </a:p>
         </p:txBody>
       </p:sp>
@@ -2307,7 +2291,7 @@
           <a:p>
             <a:pPr lvl="0"/>
             <a:r>
-              <a:rPr lang="fr-FR" smtClean="0"/>
+              <a:rPr lang="fr-FR"/>
               <a:t>Cliquez pour modifier les styles du texte du masque</a:t>
             </a:r>
           </a:p>
@@ -2359,10 +2343,9 @@
           <a:lstStyle/>
           <a:p>
             <a:r>
-              <a:rPr lang="fr-FR" smtClean="0"/>
+              <a:rPr lang="fr-FR"/>
               <a:t>Cliquez pour modifier le style du titre</a:t>
             </a:r>
-            <a:endParaRPr lang="fr-FR"/>
           </a:p>
         </p:txBody>
       </p:sp>
@@ -2383,38 +2366,37 @@
           <a:p>
             <a:pPr lvl="0"/>
             <a:r>
-              <a:rPr lang="fr-FR" smtClean="0"/>
+              <a:rPr lang="fr-FR"/>
               <a:t>Cliquez pour modifier les styles du texte du masque</a:t>
             </a:r>
           </a:p>
           <a:p>
             <a:pPr lvl="1"/>
             <a:r>
-              <a:rPr lang="fr-FR" smtClean="0"/>
+              <a:rPr lang="fr-FR"/>
               <a:t>Deuxième niveau</a:t>
             </a:r>
           </a:p>
           <a:p>
             <a:pPr lvl="2"/>
             <a:r>
-              <a:rPr lang="fr-FR" smtClean="0"/>
+              <a:rPr lang="fr-FR"/>
               <a:t>Troisième niveau</a:t>
             </a:r>
           </a:p>
           <a:p>
             <a:pPr lvl="3"/>
             <a:r>
-              <a:rPr lang="fr-FR" smtClean="0"/>
+              <a:rPr lang="fr-FR"/>
               <a:t>Quatrième niveau</a:t>
             </a:r>
           </a:p>
           <a:p>
             <a:pPr lvl="4"/>
             <a:r>
-              <a:rPr lang="fr-FR" smtClean="0"/>
+              <a:rPr lang="fr-FR"/>
               <a:t>Cinquième niveau</a:t>
             </a:r>
-            <a:endParaRPr lang="fr-FR"/>
           </a:p>
         </p:txBody>
       </p:sp>
@@ -2595,7 +2577,7 @@
             <a:pPr eaLnBrk="1" hangingPunct="1">
               <a:defRPr/>
             </a:pPr>
-            <a:endParaRPr lang="fr-FR" altLang="fr-FR" smtClean="0"/>
+            <a:endParaRPr lang="fr-FR" altLang="fr-FR"/>
           </a:p>
         </p:txBody>
       </p:sp>
@@ -2749,7 +2731,7 @@
               <a:defRPr/>
             </a:pPr>
             <a:r>
-              <a:rPr lang="fr-FR" sz="1200" dirty="0" smtClean="0"/>
+              <a:rPr lang="fr-FR" sz="1200" dirty="0"/>
               <a:t>Page </a:t>
             </a:r>
             <a:fld id="{E218E9B1-FD08-4C80-902E-210BA2967D0D}" type="slidenum">
@@ -2762,7 +2744,7 @@
               </a:pPr>
               <a:t>‹N°›</a:t>
             </a:fld>
-            <a:endParaRPr lang="fr-FR" dirty="0" smtClean="0">
+            <a:endParaRPr lang="fr-FR" dirty="0">
               <a:latin typeface="Times New Roman" pitchFamily="18" charset="0"/>
             </a:endParaRPr>
           </a:p>
@@ -2918,10 +2900,10 @@
               <a:defRPr/>
             </a:pPr>
             <a:r>
-              <a:rPr lang="fr-FR" sz="1600" dirty="0" smtClean="0"/>
+              <a:rPr lang="fr-FR" sz="1600" dirty="0"/>
               <a:t>Python</a:t>
             </a:r>
-            <a:endParaRPr lang="fr-FR" dirty="0" smtClean="0">
+            <a:endParaRPr lang="fr-FR" dirty="0">
               <a:latin typeface="Times New Roman" pitchFamily="18" charset="0"/>
             </a:endParaRPr>
           </a:p>
@@ -2979,7 +2961,7 @@
           <a:p>
             <a:pPr lvl="0"/>
             <a:r>
-              <a:rPr lang="fr-FR" altLang="fr-FR" smtClean="0"/>
+              <a:rPr lang="fr-FR" altLang="fr-FR"/>
               <a:t>Cliquez pour modifier le style du titre du masque</a:t>
             </a:r>
           </a:p>
@@ -3037,35 +3019,35 @@
           <a:p>
             <a:pPr lvl="0"/>
             <a:r>
-              <a:rPr lang="fr-FR" altLang="fr-FR" smtClean="0"/>
+              <a:rPr lang="fr-FR" altLang="fr-FR"/>
               <a:t>Cliquez pour modifier les styles du texte du masque</a:t>
             </a:r>
           </a:p>
           <a:p>
             <a:pPr lvl="1"/>
             <a:r>
-              <a:rPr lang="fr-FR" altLang="fr-FR" smtClean="0"/>
+              <a:rPr lang="fr-FR" altLang="fr-FR"/>
               <a:t>Deuxième niveau</a:t>
             </a:r>
           </a:p>
           <a:p>
             <a:pPr lvl="2"/>
             <a:r>
-              <a:rPr lang="fr-FR" altLang="fr-FR" smtClean="0"/>
+              <a:rPr lang="fr-FR" altLang="fr-FR"/>
               <a:t>Troisième niveau</a:t>
             </a:r>
           </a:p>
           <a:p>
             <a:pPr lvl="3"/>
             <a:r>
-              <a:rPr lang="fr-FR" altLang="fr-FR" smtClean="0"/>
+              <a:rPr lang="fr-FR" altLang="fr-FR"/>
               <a:t>Quatrième niveau</a:t>
             </a:r>
           </a:p>
           <a:p>
             <a:pPr lvl="4"/>
             <a:r>
-              <a:rPr lang="fr-FR" altLang="fr-FR" smtClean="0"/>
+              <a:rPr lang="fr-FR" altLang="fr-FR"/>
               <a:t>Cinquième niveau</a:t>
             </a:r>
           </a:p>
@@ -3221,10 +3203,10 @@
               <a:defRPr/>
             </a:pPr>
             <a:r>
-              <a:rPr lang="fr-FR" sz="1200" smtClean="0"/>
+              <a:rPr lang="fr-FR" sz="1200"/>
               <a:t>© Cyril Vincent Conseil</a:t>
             </a:r>
-            <a:endParaRPr lang="fr-FR" smtClean="0">
+            <a:endParaRPr lang="fr-FR">
               <a:latin typeface="Times New Roman" pitchFamily="18" charset="0"/>
             </a:endParaRPr>
           </a:p>
@@ -3706,19 +3688,18 @@
           <a:p>
             <a:pPr eaLnBrk="1" hangingPunct="1"/>
             <a:r>
-              <a:rPr lang="fr-FR" altLang="fr-FR" smtClean="0"/>
+              <a:rPr lang="fr-FR" altLang="fr-FR"/>
               <a:t>Chapitre </a:t>
             </a:r>
             <a:r>
               <a:rPr lang="fr-FR" altLang="fr-FR" dirty="0"/>
               <a:t>7</a:t>
             </a:r>
-            <a:endParaRPr lang="fr-FR" altLang="fr-FR" dirty="0" smtClean="0"/>
           </a:p>
           <a:p>
             <a:pPr eaLnBrk="1" hangingPunct="1"/>
             <a:r>
-              <a:rPr lang="fr-FR" altLang="fr-FR" dirty="0" smtClean="0"/>
+              <a:rPr lang="fr-FR" altLang="fr-FR" dirty="0"/>
               <a:t>Algèbre linéaire sur matrice</a:t>
             </a:r>
           </a:p>
@@ -3790,13 +3771,6 @@
   <p:clrMapOvr>
     <a:masterClrMapping/>
   </p:clrMapOvr>
-  <p:timing>
-    <p:tnLst>
-      <p:par>
-        <p:cTn id="1" dur="indefinite" restart="never" nodeType="tmRoot"/>
-      </p:par>
-    </p:tnLst>
-  </p:timing>
 </p:sld>
 </file>
 
@@ -3833,10 +3807,9 @@
           <a:lstStyle/>
           <a:p>
             <a:r>
-              <a:rPr lang="fr-FR" dirty="0" smtClean="0"/>
+              <a:rPr lang="fr-FR" dirty="0"/>
               <a:t>Produit scalaire</a:t>
             </a:r>
-            <a:endParaRPr lang="fr-FR" dirty="0"/>
           </a:p>
         </p:txBody>
       </p:sp>
@@ -3856,43 +3829,37 @@
           <a:lstStyle/>
           <a:p>
             <a:r>
-              <a:rPr lang="fr-FR" dirty="0" smtClean="0"/>
+              <a:rPr lang="fr-FR" dirty="0"/>
               <a:t>np.dot(</a:t>
             </a:r>
             <a:r>
-              <a:rPr lang="fr-FR" dirty="0" err="1" smtClean="0"/>
+              <a:rPr lang="fr-FR" dirty="0" err="1"/>
               <a:t>x,y</a:t>
             </a:r>
             <a:r>
-              <a:rPr lang="fr-FR" dirty="0" smtClean="0"/>
+              <a:rPr lang="fr-FR" dirty="0"/>
               <a:t>)</a:t>
             </a:r>
           </a:p>
           <a:p>
             <a:pPr lvl="1"/>
             <a:r>
-              <a:rPr lang="fr-FR" dirty="0" smtClean="0"/>
+              <a:rPr lang="fr-FR" dirty="0"/>
               <a:t>Multiplication scalaire de 2 matrices</a:t>
             </a:r>
-            <a:endParaRPr lang="fr-FR" dirty="0"/>
-          </a:p>
-          <a:p>
-            <a:r>
-              <a:rPr lang="fr-FR" dirty="0"/>
-              <a:t>x</a:t>
-            </a:r>
-            <a:r>
-              <a:rPr lang="fr-FR" dirty="0" smtClean="0"/>
-              <a:t>.dot(y)</a:t>
+          </a:p>
+          <a:p>
+            <a:r>
+              <a:rPr lang="fr-FR" dirty="0"/>
+              <a:t>x.dot(y)</a:t>
             </a:r>
           </a:p>
           <a:p>
             <a:pPr lvl="1"/>
             <a:r>
-              <a:rPr lang="fr-FR" dirty="0" smtClean="0"/>
+              <a:rPr lang="fr-FR" dirty="0"/>
               <a:t>Ecriture OO</a:t>
             </a:r>
-            <a:endParaRPr lang="fr-FR" dirty="0"/>
           </a:p>
         </p:txBody>
       </p:sp>
@@ -3906,13 +3873,6 @@
   <p:clrMapOvr>
     <a:masterClrMapping/>
   </p:clrMapOvr>
-  <p:timing>
-    <p:tnLst>
-      <p:par>
-        <p:cTn id="1" dur="indefinite" restart="never" nodeType="tmRoot"/>
-      </p:par>
-    </p:tnLst>
-  </p:timing>
 </p:sld>
 </file>
 
@@ -3949,7 +3909,7 @@
           <a:lstStyle/>
           <a:p>
             <a:r>
-              <a:rPr lang="fr-FR" dirty="0" err="1" smtClean="0"/>
+              <a:rPr lang="fr-FR" dirty="0" err="1"/>
               <a:t>Matplotlib</a:t>
             </a:r>
             <a:endParaRPr lang="fr-FR" dirty="0"/>
@@ -3972,21 +3932,20 @@
           <a:lstStyle/>
           <a:p>
             <a:r>
-              <a:rPr lang="fr-FR" dirty="0" err="1" smtClean="0"/>
+              <a:rPr lang="fr-FR" dirty="0" err="1"/>
               <a:t>Matplotlib</a:t>
             </a:r>
             <a:r>
-              <a:rPr lang="fr-FR" dirty="0" smtClean="0"/>
+              <a:rPr lang="fr-FR" dirty="0"/>
               <a:t> est complètement compatible avec les matrices</a:t>
             </a:r>
           </a:p>
           <a:p>
             <a:pPr lvl="1"/>
             <a:r>
-              <a:rPr lang="fr-FR" dirty="0" smtClean="0"/>
+              <a:rPr lang="fr-FR" dirty="0"/>
               <a:t>Soit un seul paramètre au lieu de 2</a:t>
             </a:r>
-            <a:endParaRPr lang="fr-FR" dirty="0"/>
           </a:p>
           <a:p>
             <a:endParaRPr lang="fr-FR" dirty="0"/>
@@ -4003,13 +3962,6 @@
   <p:clrMapOvr>
     <a:masterClrMapping/>
   </p:clrMapOvr>
-  <p:timing>
-    <p:tnLst>
-      <p:par>
-        <p:cTn id="1" dur="indefinite" restart="never" nodeType="tmRoot"/>
-      </p:par>
-    </p:tnLst>
-  </p:timing>
 </p:sld>
 </file>
 
@@ -4046,10 +3998,9 @@
           <a:lstStyle/>
           <a:p>
             <a:r>
-              <a:rPr lang="fr-FR" dirty="0" smtClean="0"/>
+              <a:rPr lang="fr-FR" dirty="0"/>
               <a:t>Les filtres</a:t>
             </a:r>
-            <a:endParaRPr lang="fr-FR" dirty="0"/>
           </a:p>
         </p:txBody>
       </p:sp>
@@ -4069,101 +4020,99 @@
           <a:lstStyle/>
           <a:p>
             <a:r>
-              <a:rPr lang="fr-FR" dirty="0" smtClean="0"/>
+              <a:rPr lang="fr-FR" dirty="0"/>
               <a:t>Les filtres </a:t>
             </a:r>
             <a:r>
-              <a:rPr lang="fr-FR" dirty="0" err="1" smtClean="0"/>
+              <a:rPr lang="fr-FR" dirty="0" err="1"/>
               <a:t>numpy</a:t>
             </a:r>
             <a:r>
-              <a:rPr lang="fr-FR" dirty="0" smtClean="0"/>
+              <a:rPr lang="fr-FR" dirty="0"/>
               <a:t> sont les filtres Python</a:t>
             </a:r>
           </a:p>
           <a:p>
             <a:r>
-              <a:rPr lang="fr-FR" dirty="0" smtClean="0"/>
+              <a:rPr lang="fr-FR" dirty="0"/>
               <a:t>[</a:t>
             </a:r>
             <a:r>
-              <a:rPr lang="fr-FR" dirty="0" err="1" smtClean="0"/>
+              <a:rPr lang="fr-FR" dirty="0" err="1"/>
               <a:t>x:y</a:t>
             </a:r>
             <a:r>
-              <a:rPr lang="fr-FR" dirty="0" smtClean="0"/>
+              <a:rPr lang="fr-FR" dirty="0"/>
               <a:t>] filtre les lignes de x à y-1</a:t>
             </a:r>
           </a:p>
           <a:p>
             <a:r>
-              <a:rPr lang="fr-FR" dirty="0" smtClean="0"/>
+              <a:rPr lang="fr-FR" dirty="0"/>
               <a:t>[:y] filtre les lignes de 0 à y-1</a:t>
             </a:r>
           </a:p>
           <a:p>
             <a:r>
-              <a:rPr lang="fr-FR" dirty="0" smtClean="0"/>
+              <a:rPr lang="fr-FR" dirty="0"/>
               <a:t>[x:] filtre les lignes de x à la fin</a:t>
             </a:r>
           </a:p>
           <a:p>
             <a:r>
-              <a:rPr lang="fr-FR" dirty="0" smtClean="0"/>
+              <a:rPr lang="fr-FR" dirty="0"/>
               <a:t>[</a:t>
             </a:r>
             <a:r>
-              <a:rPr lang="fr-FR" dirty="0" err="1" smtClean="0"/>
+              <a:rPr lang="fr-FR" dirty="0" err="1"/>
               <a:t>a:b</a:t>
             </a:r>
             <a:r>
-              <a:rPr lang="fr-FR" dirty="0" smtClean="0"/>
+              <a:rPr lang="fr-FR" dirty="0"/>
               <a:t>, x:y] filtrer les lignes et les colonnes de x à y-1</a:t>
             </a:r>
-            <a:endParaRPr lang="fr-FR" dirty="0"/>
-          </a:p>
-          <a:p>
-            <a:r>
-              <a:rPr lang="fr-FR" dirty="0" smtClean="0"/>
+          </a:p>
+          <a:p>
+            <a:r>
+              <a:rPr lang="fr-FR" dirty="0"/>
               <a:t>[:,</a:t>
             </a:r>
             <a:r>
-              <a:rPr lang="fr-FR" dirty="0" err="1" smtClean="0"/>
-              <a:t>x,y</a:t>
-            </a:r>
-            <a:r>
-              <a:rPr lang="fr-FR" dirty="0" smtClean="0"/>
+              <a:rPr lang="fr-FR"/>
+              <a:t>x:y</a:t>
+            </a:r>
+            <a:r>
+              <a:rPr lang="fr-FR" dirty="0"/>
               <a:t>] filtre uniquement les colonnes</a:t>
             </a:r>
           </a:p>
           <a:p>
             <a:r>
-              <a:rPr lang="fr-FR" dirty="0" smtClean="0"/>
+              <a:rPr lang="fr-FR" dirty="0"/>
               <a:t>[[</a:t>
             </a:r>
             <a:r>
-              <a:rPr lang="fr-FR" dirty="0" err="1" smtClean="0"/>
+              <a:rPr lang="fr-FR" dirty="0" err="1"/>
               <a:t>True</a:t>
             </a:r>
             <a:r>
-              <a:rPr lang="fr-FR" dirty="0" smtClean="0"/>
+              <a:rPr lang="fr-FR" dirty="0"/>
               <a:t>, False, </a:t>
             </a:r>
             <a:r>
-              <a:rPr lang="fr-FR" dirty="0" err="1" smtClean="0"/>
+              <a:rPr lang="fr-FR" dirty="0" err="1"/>
               <a:t>True</a:t>
             </a:r>
             <a:r>
-              <a:rPr lang="fr-FR" dirty="0" smtClean="0"/>
+              <a:rPr lang="fr-FR" dirty="0"/>
               <a:t>]] : filtre l’indice 0 et 2</a:t>
             </a:r>
           </a:p>
           <a:p>
             <a:r>
-              <a:rPr lang="fr-FR" dirty="0" smtClean="0"/>
+              <a:rPr lang="fr-FR" dirty="0"/>
               <a:t>[x &lt; y] : Renvoie un tableau de booléen</a:t>
             </a:r>
-            <a:endParaRPr lang="fr-FR" dirty="0"/>
           </a:p>
         </p:txBody>
       </p:sp>
@@ -4177,13 +4126,6 @@
   <p:clrMapOvr>
     <a:masterClrMapping/>
   </p:clrMapOvr>
-  <p:timing>
-    <p:tnLst>
-      <p:par>
-        <p:cTn id="1" dur="indefinite" restart="never" nodeType="tmRoot"/>
-      </p:par>
-    </p:tnLst>
-  </p:timing>
 </p:sld>
 </file>
 
@@ -4369,13 +4311,6 @@
   <p:clrMapOvr>
     <a:masterClrMapping/>
   </p:clrMapOvr>
-  <p:timing>
-    <p:tnLst>
-      <p:par>
-        <p:cTn id="1" dur="indefinite" restart="never" nodeType="tmRoot"/>
-      </p:par>
-    </p:tnLst>
-  </p:timing>
 </p:sld>
 </file>
 
@@ -4566,13 +4501,6 @@
   <p:clrMapOvr>
     <a:masterClrMapping/>
   </p:clrMapOvr>
-  <p:timing>
-    <p:tnLst>
-      <p:par>
-        <p:cTn id="1" dur="indefinite" restart="never" nodeType="tmRoot"/>
-      </p:par>
-    </p:tnLst>
-  </p:timing>
 </p:sld>
 </file>
 
@@ -4609,10 +4537,9 @@
           <a:lstStyle/>
           <a:p>
             <a:r>
-              <a:rPr lang="fr-FR" dirty="0" smtClean="0"/>
+              <a:rPr lang="fr-FR" dirty="0"/>
               <a:t>Axes</a:t>
             </a:r>
-            <a:endParaRPr lang="fr-FR" dirty="0"/>
           </a:p>
         </p:txBody>
       </p:sp>
@@ -4665,59 +4592,34 @@
                 <a:latin typeface="Courier New" panose="02070309020205020404" pitchFamily="49" charset="0"/>
                 <a:cs typeface="Courier New" panose="02070309020205020404" pitchFamily="49" charset="0"/>
               </a:rPr>
-              <a:t>(axis</a:t>
-            </a:r>
-            <a:r>
-              <a:rPr lang="en-US" dirty="0" smtClean="0">
+              <a:t>(axis=-1) # sum over rows </a:t>
+            </a:r>
+          </a:p>
+          <a:p>
+            <a:pPr marL="0" indent="0">
+              <a:buNone/>
+            </a:pPr>
+            <a:r>
+              <a:rPr lang="en-US" dirty="0" err="1">
                 <a:latin typeface="Courier New" panose="02070309020205020404" pitchFamily="49" charset="0"/>
                 <a:cs typeface="Courier New" panose="02070309020205020404" pitchFamily="49" charset="0"/>
               </a:rPr>
-              <a:t>=-1) </a:t>
+              <a:t>a.sum</a:t>
+            </a:r>
+            <a:r>
+              <a:rPr lang="en-US">
+                <a:latin typeface="Courier New" panose="02070309020205020404" pitchFamily="49" charset="0"/>
+                <a:cs typeface="Courier New" panose="02070309020205020404" pitchFamily="49" charset="0"/>
+              </a:rPr>
+              <a:t>(axis=0) </a:t>
             </a:r>
             <a:r>
               <a:rPr lang="en-US" dirty="0">
                 <a:latin typeface="Courier New" panose="02070309020205020404" pitchFamily="49" charset="0"/>
                 <a:cs typeface="Courier New" panose="02070309020205020404" pitchFamily="49" charset="0"/>
               </a:rPr>
-              <a:t># sum over rows </a:t>
-            </a:r>
-          </a:p>
-          <a:p>
-            <a:pPr marL="0" indent="0">
-              <a:buNone/>
-            </a:pPr>
-            <a:r>
-              <a:rPr lang="en-US" dirty="0" err="1" smtClean="0">
-                <a:latin typeface="Courier New" panose="02070309020205020404" pitchFamily="49" charset="0"/>
-                <a:cs typeface="Courier New" panose="02070309020205020404" pitchFamily="49" charset="0"/>
-              </a:rPr>
-              <a:t>a.sum</a:t>
-            </a:r>
-            <a:r>
-              <a:rPr lang="en-US" smtClean="0">
-                <a:latin typeface="Courier New" panose="02070309020205020404" pitchFamily="49" charset="0"/>
-                <a:cs typeface="Courier New" panose="02070309020205020404" pitchFamily="49" charset="0"/>
-              </a:rPr>
-              <a:t>(axis=0) </a:t>
-            </a:r>
-            <a:r>
-              <a:rPr lang="en-US" dirty="0">
-                <a:latin typeface="Courier New" panose="02070309020205020404" pitchFamily="49" charset="0"/>
-                <a:cs typeface="Courier New" panose="02070309020205020404" pitchFamily="49" charset="0"/>
-              </a:rPr>
-              <a:t># sum over </a:t>
-            </a:r>
-            <a:r>
-              <a:rPr lang="en-US" dirty="0" smtClean="0">
-                <a:latin typeface="Courier New" panose="02070309020205020404" pitchFamily="49" charset="0"/>
-                <a:cs typeface="Courier New" panose="02070309020205020404" pitchFamily="49" charset="0"/>
-              </a:rPr>
-              <a:t>columns</a:t>
-            </a:r>
-            <a:endParaRPr lang="en-US" dirty="0">
-              <a:latin typeface="Courier New" panose="02070309020205020404" pitchFamily="49" charset="0"/>
-              <a:cs typeface="Courier New" panose="02070309020205020404" pitchFamily="49" charset="0"/>
-            </a:endParaRPr>
+              <a:t># sum over columns</a:t>
+            </a:r>
           </a:p>
         </p:txBody>
       </p:sp>
@@ -4731,13 +4633,6 @@
   <p:clrMapOvr>
     <a:masterClrMapping/>
   </p:clrMapOvr>
-  <p:timing>
-    <p:tnLst>
-      <p:par>
-        <p:cTn id="1" dur="indefinite" restart="never" nodeType="tmRoot"/>
-      </p:par>
-    </p:tnLst>
-  </p:timing>
 </p:sld>
 </file>
 
@@ -4774,10 +4669,9 @@
           <a:lstStyle/>
           <a:p>
             <a:r>
-              <a:rPr lang="fr-FR" dirty="0" smtClean="0"/>
+              <a:rPr lang="fr-FR" dirty="0"/>
               <a:t>Cubes</a:t>
             </a:r>
-            <a:endParaRPr lang="fr-FR" dirty="0"/>
           </a:p>
         </p:txBody>
       </p:sp>
@@ -4797,61 +4691,61 @@
           <a:lstStyle/>
           <a:p>
             <a:r>
-              <a:rPr lang="fr-FR" dirty="0" err="1" smtClean="0"/>
+              <a:rPr lang="fr-FR" dirty="0" err="1"/>
               <a:t>np.ndarray</a:t>
             </a:r>
-            <a:endParaRPr lang="fr-FR" dirty="0" smtClean="0"/>
+            <a:endParaRPr lang="fr-FR" dirty="0"/>
           </a:p>
           <a:p>
             <a:pPr lvl="1"/>
             <a:r>
-              <a:rPr lang="fr-FR" dirty="0" smtClean="0"/>
+              <a:rPr lang="fr-FR" dirty="0"/>
               <a:t>Les </a:t>
             </a:r>
             <a:r>
-              <a:rPr lang="fr-FR" dirty="0" err="1" smtClean="0"/>
+              <a:rPr lang="fr-FR" dirty="0" err="1"/>
               <a:t>np.array</a:t>
             </a:r>
             <a:r>
-              <a:rPr lang="fr-FR" dirty="0" smtClean="0"/>
+              <a:rPr lang="fr-FR" dirty="0"/>
               <a:t> sont en fait des </a:t>
             </a:r>
             <a:r>
-              <a:rPr lang="fr-FR" dirty="0" err="1" smtClean="0"/>
+              <a:rPr lang="fr-FR" dirty="0" err="1"/>
               <a:t>np.ndarray</a:t>
             </a:r>
             <a:r>
-              <a:rPr lang="fr-FR" dirty="0" smtClean="0"/>
+              <a:rPr lang="fr-FR" dirty="0"/>
               <a:t> soit des matrices de dimension n (cubes)</a:t>
             </a:r>
           </a:p>
           <a:p>
             <a:pPr lvl="1"/>
             <a:r>
-              <a:rPr lang="fr-FR" dirty="0" smtClean="0"/>
+              <a:rPr lang="fr-FR" dirty="0"/>
               <a:t>Les axes peuvent être supérieurs à 1</a:t>
             </a:r>
           </a:p>
           <a:p>
             <a:pPr lvl="1"/>
             <a:r>
-              <a:rPr lang="fr-FR" dirty="0" smtClean="0"/>
+              <a:rPr lang="fr-FR" dirty="0"/>
               <a:t>Les </a:t>
             </a:r>
             <a:r>
-              <a:rPr lang="fr-FR" dirty="0" err="1" smtClean="0"/>
+              <a:rPr lang="fr-FR" dirty="0" err="1"/>
               <a:t>shapes</a:t>
             </a:r>
             <a:r>
-              <a:rPr lang="fr-FR" dirty="0" smtClean="0"/>
+              <a:rPr lang="fr-FR" dirty="0"/>
               <a:t> peuvent être des </a:t>
             </a:r>
             <a:r>
-              <a:rPr lang="fr-FR" dirty="0" err="1" smtClean="0"/>
+              <a:rPr lang="fr-FR" dirty="0" err="1"/>
               <a:t>tuples</a:t>
             </a:r>
             <a:r>
-              <a:rPr lang="fr-FR" dirty="0" smtClean="0"/>
+              <a:rPr lang="fr-FR" dirty="0"/>
               <a:t> de taille infinis</a:t>
             </a:r>
           </a:p>
@@ -4873,13 +4767,6 @@
   <p:clrMapOvr>
     <a:masterClrMapping/>
   </p:clrMapOvr>
-  <p:timing>
-    <p:tnLst>
-      <p:par>
-        <p:cTn id="1" dur="indefinite" restart="never" nodeType="tmRoot"/>
-      </p:par>
-    </p:tnLst>
-  </p:timing>
 </p:sld>
 </file>
 
@@ -4916,10 +4803,9 @@
           <a:lstStyle/>
           <a:p>
             <a:r>
-              <a:rPr lang="fr-FR" dirty="0" smtClean="0"/>
+              <a:rPr lang="fr-FR" dirty="0"/>
               <a:t>Les filtres</a:t>
             </a:r>
-            <a:endParaRPr lang="fr-FR" dirty="0"/>
           </a:p>
         </p:txBody>
       </p:sp>
@@ -4939,29 +4825,29 @@
           <a:lstStyle/>
           <a:p>
             <a:r>
-              <a:rPr lang="fr-FR" dirty="0" smtClean="0"/>
+              <a:rPr lang="fr-FR" dirty="0"/>
               <a:t>Les cubes peuvent être filtrés</a:t>
             </a:r>
           </a:p>
           <a:p>
             <a:r>
-              <a:rPr lang="fr-FR" dirty="0" smtClean="0"/>
+              <a:rPr lang="fr-FR" dirty="0"/>
               <a:t>[:,:,</a:t>
             </a:r>
             <a:r>
-              <a:rPr lang="fr-FR" dirty="0" err="1" smtClean="0"/>
+              <a:rPr lang="fr-FR" dirty="0" err="1"/>
               <a:t>x:y</a:t>
             </a:r>
             <a:r>
-              <a:rPr lang="fr-FR" dirty="0" smtClean="0"/>
+              <a:rPr lang="fr-FR" dirty="0"/>
               <a:t>] filtre la 3</a:t>
             </a:r>
             <a:r>
-              <a:rPr lang="fr-FR" baseline="30000" dirty="0" smtClean="0"/>
+              <a:rPr lang="fr-FR" baseline="30000" dirty="0"/>
               <a:t>ème</a:t>
             </a:r>
             <a:r>
-              <a:rPr lang="fr-FR" dirty="0" smtClean="0"/>
+              <a:rPr lang="fr-FR" dirty="0"/>
               <a:t> dimension</a:t>
             </a:r>
           </a:p>
@@ -4977,13 +4863,6 @@
   <p:clrMapOvr>
     <a:masterClrMapping/>
   </p:clrMapOvr>
-  <p:timing>
-    <p:tnLst>
-      <p:par>
-        <p:cTn id="1" dur="indefinite" restart="never" nodeType="tmRoot"/>
-      </p:par>
-    </p:tnLst>
-  </p:timing>
 </p:sld>
 </file>
 
@@ -5020,10 +4899,9 @@
           <a:lstStyle/>
           <a:p>
             <a:r>
-              <a:rPr lang="fr-FR" dirty="0" smtClean="0"/>
+              <a:rPr lang="fr-FR" dirty="0"/>
               <a:t>Matrix</a:t>
             </a:r>
-            <a:endParaRPr lang="fr-FR" dirty="0"/>
           </a:p>
         </p:txBody>
       </p:sp>
@@ -5043,81 +4921,81 @@
           <a:lstStyle/>
           <a:p>
             <a:r>
-              <a:rPr lang="fr-FR" dirty="0" err="1" smtClean="0"/>
+              <a:rPr lang="fr-FR" dirty="0" err="1"/>
               <a:t>np.matrix</a:t>
             </a:r>
             <a:r>
-              <a:rPr lang="fr-FR" dirty="0" smtClean="0"/>
+              <a:rPr lang="fr-FR" dirty="0"/>
               <a:t> est un </a:t>
             </a:r>
             <a:r>
-              <a:rPr lang="fr-FR" dirty="0" err="1" smtClean="0"/>
+              <a:rPr lang="fr-FR" dirty="0" err="1"/>
               <a:t>np.array</a:t>
             </a:r>
             <a:r>
-              <a:rPr lang="fr-FR" dirty="0" smtClean="0"/>
+              <a:rPr lang="fr-FR" dirty="0"/>
               <a:t> de dimension stricte 2</a:t>
             </a:r>
           </a:p>
           <a:p>
             <a:pPr lvl="1"/>
             <a:r>
-              <a:rPr lang="fr-FR" dirty="0" smtClean="0"/>
+              <a:rPr lang="fr-FR" dirty="0"/>
               <a:t>Matrice rectangulaire</a:t>
             </a:r>
           </a:p>
           <a:p>
             <a:pPr lvl="1"/>
             <a:r>
-              <a:rPr lang="fr-FR" dirty="0" smtClean="0"/>
+              <a:rPr lang="fr-FR" dirty="0"/>
               <a:t>Dérive de </a:t>
             </a:r>
             <a:r>
-              <a:rPr lang="fr-FR" dirty="0" err="1" smtClean="0"/>
+              <a:rPr lang="fr-FR" dirty="0" err="1"/>
               <a:t>np.ndarray</a:t>
             </a:r>
-            <a:endParaRPr lang="fr-FR" dirty="0" smtClean="0"/>
-          </a:p>
-          <a:p>
-            <a:r>
-              <a:rPr lang="fr-FR" dirty="0" smtClean="0"/>
+            <a:endParaRPr lang="fr-FR" dirty="0"/>
+          </a:p>
+          <a:p>
+            <a:r>
+              <a:rPr lang="fr-FR" dirty="0"/>
               <a:t>Possède des opérateurs supplémentaires</a:t>
             </a:r>
           </a:p>
           <a:p>
             <a:pPr lvl="1"/>
             <a:r>
-              <a:rPr lang="fr-FR" dirty="0" smtClean="0"/>
+              <a:rPr lang="fr-FR" dirty="0"/>
               <a:t>@ : </a:t>
             </a:r>
             <a:r>
-              <a:rPr lang="fr-FR" dirty="0" err="1" smtClean="0"/>
+              <a:rPr lang="fr-FR" dirty="0" err="1"/>
               <a:t>x@y</a:t>
             </a:r>
             <a:r>
-              <a:rPr lang="fr-FR" dirty="0" smtClean="0"/>
+              <a:rPr lang="fr-FR" dirty="0"/>
               <a:t> est le produit scalaire</a:t>
             </a:r>
           </a:p>
           <a:p>
             <a:pPr lvl="1"/>
             <a:r>
-              <a:rPr lang="fr-FR" dirty="0" smtClean="0"/>
+              <a:rPr lang="fr-FR" dirty="0"/>
               <a:t>.I : </a:t>
             </a:r>
             <a:r>
-              <a:rPr lang="fr-FR" dirty="0" err="1" smtClean="0"/>
+              <a:rPr lang="fr-FR" dirty="0" err="1"/>
               <a:t>x.I</a:t>
             </a:r>
             <a:r>
-              <a:rPr lang="fr-FR" dirty="0" smtClean="0"/>
+              <a:rPr lang="fr-FR" dirty="0"/>
               <a:t> est la matrice inverse</a:t>
             </a:r>
           </a:p>
           <a:p>
             <a:pPr lvl="1"/>
             <a:r>
-              <a:rPr lang="fr-FR" dirty="0" smtClean="0"/>
+              <a:rPr lang="fr-FR" dirty="0"/>
               <a:t>** : x**y est la puissance scalaire</a:t>
             </a:r>
           </a:p>
@@ -5133,13 +5011,6 @@
   <p:clrMapOvr>
     <a:masterClrMapping/>
   </p:clrMapOvr>
-  <p:timing>
-    <p:tnLst>
-      <p:par>
-        <p:cTn id="1" dur="indefinite" restart="never" nodeType="tmRoot"/>
-      </p:par>
-    </p:tnLst>
-  </p:timing>
 </p:sld>
 </file>
 
@@ -5176,10 +5047,9 @@
           <a:lstStyle/>
           <a:p>
             <a:r>
-              <a:rPr lang="fr-FR" dirty="0" smtClean="0"/>
+              <a:rPr lang="fr-FR" dirty="0"/>
               <a:t>Calcul de la régression linéaire</a:t>
             </a:r>
-            <a:endParaRPr lang="fr-FR" dirty="0"/>
           </a:p>
         </p:txBody>
       </p:sp>
@@ -5264,34 +5134,30 @@
             </a:r>
             <a:r>
               <a:rPr lang="fr-FR" dirty="0"/>
-              <a:t>).dot(y</a:t>
-            </a:r>
-            <a:r>
-              <a:rPr lang="fr-FR" dirty="0" smtClean="0"/>
-              <a:t>)</a:t>
-            </a:r>
-          </a:p>
-          <a:p>
-            <a:r>
-              <a:rPr lang="fr-FR" dirty="0" smtClean="0"/>
+              <a:t>).dot(y)</a:t>
+            </a:r>
+          </a:p>
+          <a:p>
+            <a:r>
+              <a:rPr lang="fr-FR" dirty="0"/>
               <a:t>#</a:t>
             </a:r>
             <a:r>
-              <a:rPr lang="fr-FR" dirty="0" err="1" smtClean="0"/>
+              <a:rPr lang="fr-FR" dirty="0" err="1"/>
               <a:t>theta</a:t>
             </a:r>
             <a:r>
-              <a:rPr lang="fr-FR" dirty="0" smtClean="0"/>
+              <a:rPr lang="fr-FR" dirty="0"/>
               <a:t> = (b, a) pour f=</a:t>
             </a:r>
             <a:r>
-              <a:rPr lang="fr-FR" dirty="0" err="1" smtClean="0"/>
+              <a:rPr lang="fr-FR" dirty="0" err="1"/>
               <a:t>ax+b</a:t>
             </a:r>
-            <a:endParaRPr lang="fr-FR" dirty="0" smtClean="0"/>
-          </a:p>
-          <a:p>
-            <a:endParaRPr lang="fr-FR" dirty="0" smtClean="0"/>
+            <a:endParaRPr lang="fr-FR" dirty="0"/>
+          </a:p>
+          <a:p>
+            <a:endParaRPr lang="fr-FR" dirty="0"/>
           </a:p>
         </p:txBody>
       </p:sp>
@@ -5305,13 +5171,6 @@
   <p:clrMapOvr>
     <a:masterClrMapping/>
   </p:clrMapOvr>
-  <p:timing>
-    <p:tnLst>
-      <p:par>
-        <p:cTn id="1" dur="indefinite" restart="never" nodeType="tmRoot"/>
-      </p:par>
-    </p:tnLst>
-  </p:timing>
 </p:sld>
 </file>
 
@@ -5348,10 +5207,9 @@
           <a:lstStyle/>
           <a:p>
             <a:r>
-              <a:rPr lang="fr-FR" dirty="0" smtClean="0"/>
+              <a:rPr lang="fr-FR" dirty="0"/>
               <a:t>Matrix</a:t>
             </a:r>
-            <a:endParaRPr lang="fr-FR" dirty="0"/>
           </a:p>
         </p:txBody>
       </p:sp>
@@ -5406,13 +5264,6 @@
   <p:clrMapOvr>
     <a:masterClrMapping/>
   </p:clrMapOvr>
-  <p:timing>
-    <p:tnLst>
-      <p:par>
-        <p:cTn id="1" dur="indefinite" restart="never" nodeType="tmRoot"/>
-      </p:par>
-    </p:tnLst>
-  </p:timing>
 </p:sld>
 </file>
 
@@ -5449,10 +5300,9 @@
           <a:lstStyle/>
           <a:p>
             <a:r>
-              <a:rPr lang="fr-FR" dirty="0" smtClean="0"/>
+              <a:rPr lang="fr-FR" dirty="0"/>
               <a:t>Matrix</a:t>
             </a:r>
-            <a:endParaRPr lang="fr-FR" dirty="0"/>
           </a:p>
         </p:txBody>
       </p:sp>
@@ -5472,23 +5322,22 @@
           <a:lstStyle/>
           <a:p>
             <a:r>
-              <a:rPr lang="fr-FR" dirty="0" smtClean="0"/>
+              <a:rPr lang="fr-FR" dirty="0"/>
               <a:t>Les matrices sont des objets mathématiques très utilisés</a:t>
             </a:r>
           </a:p>
           <a:p>
             <a:r>
-              <a:rPr lang="fr-FR" dirty="0" smtClean="0"/>
+              <a:rPr lang="fr-FR" dirty="0"/>
               <a:t>Une matrice est un vecteur de vecteurs</a:t>
             </a:r>
           </a:p>
           <a:p>
             <a:pPr lvl="1"/>
             <a:r>
-              <a:rPr lang="fr-FR" dirty="0" smtClean="0"/>
+              <a:rPr lang="fr-FR" dirty="0"/>
               <a:t>Ou un élément de dimension 2</a:t>
             </a:r>
-            <a:endParaRPr lang="fr-FR" dirty="0"/>
           </a:p>
         </p:txBody>
       </p:sp>
@@ -5543,13 +5392,6 @@
   <p:clrMapOvr>
     <a:masterClrMapping/>
   </p:clrMapOvr>
-  <p:timing>
-    <p:tnLst>
-      <p:par>
-        <p:cTn id="1" dur="indefinite" restart="never" nodeType="tmRoot"/>
-      </p:par>
-    </p:tnLst>
-  </p:timing>
 </p:sld>
 </file>
 
@@ -5586,10 +5428,9 @@
           <a:lstStyle/>
           <a:p>
             <a:r>
-              <a:rPr lang="fr-FR" dirty="0" smtClean="0"/>
+              <a:rPr lang="fr-FR" dirty="0"/>
               <a:t>Matrices</a:t>
             </a:r>
-            <a:endParaRPr lang="fr-FR" dirty="0"/>
           </a:p>
         </p:txBody>
       </p:sp>
@@ -5609,7 +5450,7 @@
           <a:lstStyle/>
           <a:p>
             <a:r>
-              <a:rPr lang="fr-FR" dirty="0" smtClean="0"/>
+              <a:rPr lang="fr-FR" dirty="0"/>
               <a:t>Tableaux à 2 dimensions</a:t>
             </a:r>
           </a:p>
@@ -5617,62 +5458,62 @@
             <a:endParaRPr lang="fr-FR" dirty="0"/>
           </a:p>
           <a:p>
-            <a:endParaRPr lang="fr-FR" dirty="0" smtClean="0"/>
-          </a:p>
-          <a:p>
             <a:endParaRPr lang="fr-FR" dirty="0"/>
           </a:p>
           <a:p>
-            <a:r>
-              <a:rPr lang="fr-FR" dirty="0" smtClean="0"/>
+            <a:endParaRPr lang="fr-FR" dirty="0"/>
+          </a:p>
+          <a:p>
+            <a:r>
+              <a:rPr lang="fr-FR" dirty="0"/>
               <a:t>Matrices particulières</a:t>
             </a:r>
           </a:p>
           <a:p>
             <a:pPr lvl="1"/>
             <a:r>
-              <a:rPr lang="fr-FR" dirty="0" err="1" smtClean="0"/>
+              <a:rPr lang="fr-FR" dirty="0" err="1"/>
               <a:t>zeros</a:t>
             </a:r>
             <a:r>
-              <a:rPr lang="fr-FR" dirty="0" smtClean="0"/>
+              <a:rPr lang="fr-FR" dirty="0"/>
               <a:t>(n) : remplie de 0</a:t>
             </a:r>
           </a:p>
           <a:p>
             <a:pPr lvl="1"/>
             <a:r>
-              <a:rPr lang="fr-FR" dirty="0" smtClean="0"/>
+              <a:rPr lang="fr-FR" dirty="0"/>
               <a:t>one(n) : remplie de 1</a:t>
             </a:r>
           </a:p>
           <a:p>
             <a:pPr lvl="1"/>
             <a:r>
-              <a:rPr lang="fr-FR" dirty="0" err="1" smtClean="0"/>
+              <a:rPr lang="fr-FR" dirty="0" err="1"/>
               <a:t>eye</a:t>
             </a:r>
             <a:r>
-              <a:rPr lang="fr-FR" dirty="0" smtClean="0"/>
+              <a:rPr lang="fr-FR" dirty="0"/>
               <a:t>(n) : 1 en diagonale, 0 ailleurs</a:t>
             </a:r>
           </a:p>
           <a:p>
             <a:pPr lvl="1"/>
             <a:r>
-              <a:rPr lang="fr-FR" dirty="0" err="1" smtClean="0"/>
+              <a:rPr lang="fr-FR" dirty="0" err="1"/>
               <a:t>diag</a:t>
             </a:r>
             <a:r>
-              <a:rPr lang="fr-FR" dirty="0" smtClean="0"/>
+              <a:rPr lang="fr-FR" dirty="0"/>
               <a:t>(</a:t>
             </a:r>
             <a:r>
-              <a:rPr lang="fr-FR" dirty="0" err="1" smtClean="0"/>
+              <a:rPr lang="fr-FR" dirty="0" err="1"/>
               <a:t>v,k</a:t>
             </a:r>
             <a:r>
-              <a:rPr lang="fr-FR" dirty="0" smtClean="0"/>
+              <a:rPr lang="fr-FR" dirty="0"/>
               <a:t>) : vecteur v en diagonal décalé de k</a:t>
             </a:r>
           </a:p>
@@ -5680,17 +5521,12 @@
             <a:pPr lvl="1"/>
             <a:r>
               <a:rPr lang="fr-FR" dirty="0" err="1"/>
-              <a:t>r</a:t>
-            </a:r>
-            <a:r>
-              <a:rPr lang="fr-FR" dirty="0" err="1" smtClean="0"/>
-              <a:t>andom.rand</a:t>
-            </a:r>
-            <a:r>
-              <a:rPr lang="fr-FR" dirty="0" smtClean="0"/>
+              <a:t>random.rand</a:t>
+            </a:r>
+            <a:r>
+              <a:rPr lang="fr-FR" dirty="0"/>
               <a:t>(n) : aléatoire</a:t>
             </a:r>
-            <a:endParaRPr lang="fr-FR" dirty="0"/>
           </a:p>
           <a:p>
             <a:pPr lvl="1"/>
@@ -5756,13 +5592,6 @@
   <p:clrMapOvr>
     <a:masterClrMapping/>
   </p:clrMapOvr>
-  <p:timing>
-    <p:tnLst>
-      <p:par>
-        <p:cTn id="1" dur="indefinite" restart="never" nodeType="tmRoot"/>
-      </p:par>
-    </p:tnLst>
-  </p:timing>
 </p:sld>
 </file>
 
@@ -5799,10 +5628,9 @@
           <a:lstStyle/>
           <a:p>
             <a:r>
-              <a:rPr lang="fr-FR" dirty="0" smtClean="0"/>
+              <a:rPr lang="fr-FR" dirty="0"/>
               <a:t>Calcul Matriciel</a:t>
             </a:r>
-            <a:endParaRPr lang="fr-FR" dirty="0"/>
           </a:p>
         </p:txBody>
       </p:sp>
@@ -5822,7 +5650,7 @@
           <a:lstStyle/>
           <a:p>
             <a:r>
-              <a:rPr lang="fr-FR" dirty="0" smtClean="0"/>
+              <a:rPr lang="fr-FR" dirty="0"/>
               <a:t>Les opérateurs standard sont surchargés</a:t>
             </a:r>
           </a:p>
@@ -5830,7 +5658,7 @@
             <a:endParaRPr lang="fr-FR" dirty="0"/>
           </a:p>
           <a:p>
-            <a:endParaRPr lang="fr-FR" dirty="0" smtClean="0"/>
+            <a:endParaRPr lang="fr-FR" dirty="0"/>
           </a:p>
           <a:p>
             <a:endParaRPr lang="fr-FR" dirty="0"/>
@@ -5871,13 +5699,6 @@
   <p:clrMapOvr>
     <a:masterClrMapping/>
   </p:clrMapOvr>
-  <p:timing>
-    <p:tnLst>
-      <p:par>
-        <p:cTn id="1" dur="indefinite" restart="never" nodeType="tmRoot"/>
-      </p:par>
-    </p:tnLst>
-  </p:timing>
 </p:sld>
 </file>
 
@@ -6128,13 +5949,6 @@
   <p:clrMapOvr>
     <a:masterClrMapping/>
   </p:clrMapOvr>
-  <p:timing>
-    <p:tnLst>
-      <p:par>
-        <p:cTn id="1" dur="indefinite" restart="never" nodeType="tmRoot"/>
-      </p:par>
-    </p:tnLst>
-  </p:timing>
 </p:sld>
 </file>
 
@@ -6171,10 +5985,9 @@
           <a:lstStyle/>
           <a:p>
             <a:r>
-              <a:rPr lang="fr-FR" dirty="0" smtClean="0"/>
+              <a:rPr lang="fr-FR" dirty="0"/>
               <a:t>Algèbre linéaire</a:t>
             </a:r>
-            <a:endParaRPr lang="fr-FR" dirty="0"/>
           </a:p>
         </p:txBody>
       </p:sp>
@@ -6194,25 +6007,25 @@
           <a:lstStyle/>
           <a:p>
             <a:r>
-              <a:rPr lang="fr-FR" dirty="0" err="1" smtClean="0"/>
+              <a:rPr lang="fr-FR" dirty="0" err="1"/>
               <a:t>linalg.inv</a:t>
             </a:r>
             <a:r>
-              <a:rPr lang="fr-FR" dirty="0" smtClean="0"/>
+              <a:rPr lang="fr-FR" dirty="0"/>
               <a:t> inverse une matrice</a:t>
             </a:r>
           </a:p>
           <a:p>
             <a:pPr lvl="1"/>
             <a:r>
-              <a:rPr lang="fr-FR" dirty="0" smtClean="0"/>
+              <a:rPr lang="fr-FR" dirty="0"/>
               <a:t>Vérifier d’abord si elle est inversable avec </a:t>
             </a:r>
             <a:r>
-              <a:rPr lang="fr-FR" dirty="0" err="1" smtClean="0"/>
+              <a:rPr lang="fr-FR" dirty="0" err="1"/>
               <a:t>rank</a:t>
             </a:r>
-            <a:endParaRPr lang="fr-FR" dirty="0" smtClean="0"/>
+            <a:endParaRPr lang="fr-FR" dirty="0"/>
           </a:p>
           <a:p>
             <a:pPr lvl="1"/>
@@ -6220,7 +6033,7 @@
           </a:p>
           <a:p>
             <a:pPr lvl="1"/>
-            <a:endParaRPr lang="fr-FR" dirty="0" smtClean="0"/>
+            <a:endParaRPr lang="fr-FR" dirty="0"/>
           </a:p>
           <a:p>
             <a:pPr lvl="1"/>
@@ -6228,26 +6041,22 @@
           </a:p>
           <a:p>
             <a:pPr lvl="1"/>
-            <a:endParaRPr lang="fr-FR" dirty="0" smtClean="0"/>
+            <a:endParaRPr lang="fr-FR" dirty="0"/>
           </a:p>
           <a:p>
             <a:pPr lvl="1"/>
             <a:r>
               <a:rPr lang="fr-FR" dirty="0" err="1"/>
-              <a:t>n</a:t>
-            </a:r>
-            <a:r>
-              <a:rPr lang="fr-FR" dirty="0" err="1" smtClean="0"/>
-              <a:t>p.trace</a:t>
-            </a:r>
-            <a:r>
-              <a:rPr lang="fr-FR" dirty="0" smtClean="0"/>
+              <a:t>np.trace</a:t>
+            </a:r>
+            <a:r>
+              <a:rPr lang="fr-FR" dirty="0"/>
               <a:t> calcul la trace</a:t>
             </a:r>
           </a:p>
           <a:p>
             <a:pPr lvl="1"/>
-            <a:endParaRPr lang="fr-FR" dirty="0" smtClean="0"/>
+            <a:endParaRPr lang="fr-FR" dirty="0"/>
           </a:p>
           <a:p>
             <a:pPr lvl="1"/>
@@ -6289,13 +6098,6 @@
   <p:clrMapOvr>
     <a:masterClrMapping/>
   </p:clrMapOvr>
-  <p:timing>
-    <p:tnLst>
-      <p:par>
-        <p:cTn id="1" dur="indefinite" restart="never" nodeType="tmRoot"/>
-      </p:par>
-    </p:tnLst>
-  </p:timing>
 </p:sld>
 </file>
 
@@ -6332,10 +6134,9 @@
           <a:lstStyle/>
           <a:p>
             <a:r>
-              <a:rPr lang="fr-FR" dirty="0" smtClean="0"/>
+              <a:rPr lang="fr-FR" dirty="0"/>
               <a:t>Transposée</a:t>
             </a:r>
-            <a:endParaRPr lang="fr-FR" dirty="0"/>
           </a:p>
         </p:txBody>
       </p:sp>
@@ -6355,22 +6156,22 @@
           <a:lstStyle/>
           <a:p>
             <a:r>
-              <a:rPr lang="fr-FR" dirty="0" err="1" smtClean="0"/>
+              <a:rPr lang="fr-FR" dirty="0" err="1"/>
               <a:t>x.T</a:t>
             </a:r>
-            <a:endParaRPr lang="fr-FR" dirty="0" smtClean="0"/>
+            <a:endParaRPr lang="fr-FR" dirty="0"/>
           </a:p>
           <a:p>
             <a:pPr lvl="1"/>
             <a:r>
-              <a:rPr lang="fr-FR" dirty="0" smtClean="0"/>
+              <a:rPr lang="fr-FR" dirty="0"/>
               <a:t>Transposition d’une matrice </a:t>
             </a:r>
           </a:p>
           <a:p>
             <a:pPr lvl="1"/>
             <a:r>
-              <a:rPr lang="fr-FR" dirty="0" smtClean="0"/>
+              <a:rPr lang="fr-FR" dirty="0"/>
               <a:t>inversion ligne colonne</a:t>
             </a:r>
           </a:p>
@@ -6386,13 +6187,6 @@
   <p:clrMapOvr>
     <a:masterClrMapping/>
   </p:clrMapOvr>
-  <p:timing>
-    <p:tnLst>
-      <p:par>
-        <p:cTn id="1" dur="indefinite" restart="never" nodeType="tmRoot"/>
-      </p:par>
-    </p:tnLst>
-  </p:timing>
 </p:sld>
 </file>
 
@@ -6429,7 +6223,7 @@
           <a:lstStyle/>
           <a:p>
             <a:r>
-              <a:rPr lang="fr-FR" dirty="0" err="1" smtClean="0"/>
+              <a:rPr lang="fr-FR" dirty="0" err="1"/>
               <a:t>Random</a:t>
             </a:r>
             <a:endParaRPr lang="fr-FR" dirty="0"/>
@@ -6507,22 +6301,21 @@
           <a:lstStyle/>
           <a:p>
             <a:r>
-              <a:rPr lang="fr-FR" sz="2000" dirty="0" smtClean="0"/>
+              <a:rPr lang="fr-FR" sz="2000" dirty="0"/>
               <a:t>0 veut dire par ligne</a:t>
             </a:r>
           </a:p>
           <a:p>
             <a:r>
-              <a:rPr lang="fr-FR" sz="2000" dirty="0" smtClean="0"/>
+              <a:rPr lang="fr-FR" sz="2000" dirty="0"/>
               <a:t>1 veut dire par colonne</a:t>
             </a:r>
           </a:p>
           <a:p>
             <a:r>
-              <a:rPr lang="fr-FR" sz="2000" dirty="0" smtClean="0"/>
+              <a:rPr lang="fr-FR" sz="2000" dirty="0"/>
               <a:t>Absent veut dire somme totale</a:t>
             </a:r>
-            <a:endParaRPr lang="fr-FR" sz="2000" dirty="0"/>
           </a:p>
         </p:txBody>
       </p:sp>
@@ -6536,13 +6329,6 @@
   <p:clrMapOvr>
     <a:masterClrMapping/>
   </p:clrMapOvr>
-  <p:timing>
-    <p:tnLst>
-      <p:par>
-        <p:cTn id="1" dur="indefinite" restart="never" nodeType="tmRoot"/>
-      </p:par>
-    </p:tnLst>
-  </p:timing>
 </p:sld>
 </file>
 

--- a/ppt/PythonMath07-NumpyMatrix.pptx
+++ b/ppt/PythonMath07-NumpyMatrix.pptx
@@ -4078,7 +4078,7 @@
               <a:t>[:,</a:t>
             </a:r>
             <a:r>
-              <a:rPr lang="fr-FR"/>
+              <a:rPr lang="fr-FR" dirty="0" err="1"/>
               <a:t>x:y</a:t>
             </a:r>
             <a:r>
@@ -4592,7 +4592,7 @@
                 <a:latin typeface="Courier New" panose="02070309020205020404" pitchFamily="49" charset="0"/>
                 <a:cs typeface="Courier New" panose="02070309020205020404" pitchFamily="49" charset="0"/>
               </a:rPr>
-              <a:t>(axis=-1) # sum over rows </a:t>
+              <a:t>(axis=1) # sum over rows </a:t>
             </a:r>
           </a:p>
           <a:p>
@@ -4607,18 +4607,11 @@
               <a:t>a.sum</a:t>
             </a:r>
             <a:r>
-              <a:rPr lang="en-US">
-                <a:latin typeface="Courier New" panose="02070309020205020404" pitchFamily="49" charset="0"/>
-                <a:cs typeface="Courier New" panose="02070309020205020404" pitchFamily="49" charset="0"/>
-              </a:rPr>
-              <a:t>(axis=0) </a:t>
-            </a:r>
-            <a:r>
               <a:rPr lang="en-US" dirty="0">
                 <a:latin typeface="Courier New" panose="02070309020205020404" pitchFamily="49" charset="0"/>
                 <a:cs typeface="Courier New" panose="02070309020205020404" pitchFamily="49" charset="0"/>
               </a:rPr>
-              <a:t># sum over columns</a:t>
+              <a:t>(axis=0) # sum over columns</a:t>
             </a:r>
           </a:p>
         </p:txBody>
